--- a/doc/颜虎的分享第二期.pptx
+++ b/doc/颜虎的分享第二期.pptx
@@ -6582,7 +6582,6 @@
               <a:rPr lang="zh-CN" altLang="en-US" dirty="0"/>
               <a:t>在会员活动中的应用</a:t>
             </a:r>
-            <a:endParaRPr lang="zh-CN" altLang="en-US" dirty="0"/>
           </a:p>
         </p:txBody>
       </p:sp>
@@ -6598,7 +6597,9 @@
         </p:nvSpPr>
         <p:spPr/>
         <p:txBody>
-          <a:bodyPr/>
+          <a:bodyPr>
+            <a:normAutofit lnSpcReduction="10000"/>
+          </a:bodyPr>
           <a:lstStyle/>
           <a:p>
             <a:r>
@@ -6710,7 +6711,28 @@
               <a:rPr lang="zh-CN" altLang="en-US" dirty="0" smtClean="0">
                 <a:hlinkClick r:id="rId4"/>
               </a:rPr>
-              <a:t>东一分钱活动</a:t>
+              <a:t>东一分钱</a:t>
+            </a:r>
+            <a:r>
+              <a:rPr lang="zh-CN" altLang="en-US" dirty="0" smtClean="0">
+                <a:hlinkClick r:id="rId4"/>
+              </a:rPr>
+              <a:t>活动</a:t>
+            </a:r>
+            <a:endParaRPr lang="en-US" altLang="zh-CN" dirty="0" smtClean="0"/>
+          </a:p>
+          <a:p>
+            <a:r>
+              <a:rPr lang="en-US" altLang="zh-CN" b="1" dirty="0">
+                <a:hlinkClick r:id="rId5"/>
+              </a:rPr>
+              <a:t>B</a:t>
+            </a:r>
+            <a:r>
+              <a:rPr lang="en-US" altLang="zh-CN" b="1" dirty="0" smtClean="0">
+                <a:hlinkClick r:id="rId5"/>
+              </a:rPr>
+              <a:t>luebird</a:t>
             </a:r>
             <a:endParaRPr lang="en-US" altLang="zh-CN" dirty="0"/>
           </a:p>
